--- a/lab9/dịch 2.10.pptx
+++ b/lab9/dịch 2.10.pptx
@@ -9,6 +9,9 @@
     <p:sldId id="257" r:id="rId3"/>
     <p:sldId id="258" r:id="rId4"/>
     <p:sldId id="259" r:id="rId5"/>
+    <p:sldId id="260" r:id="rId6"/>
+    <p:sldId id="261" r:id="rId7"/>
+    <p:sldId id="262" r:id="rId8"/>
   </p:sldIdLst>
   <p:sldSz cx="12192000" cy="6858000"/>
   <p:notesSz cx="6858000" cy="9144000"/>
@@ -107,6 +110,11 @@
       </a:defRPr>
     </a:lvl9pPr>
   </p:defaultTextStyle>
+  <p:extLst>
+    <p:ext uri="{EFAFB233-063F-42B5-8137-9DF3F51BA10A}">
+      <p15:sldGuideLst xmlns:p15="http://schemas.microsoft.com/office/powerpoint/2012/main"/>
+    </p:ext>
+  </p:extLst>
 </p:presentation>
 </file>
 
@@ -257,7 +265,7 @@
           <a:p>
             <a:fld id="{1C103F40-3D54-4197-BBB7-51E0ADE79846}" type="datetimeFigureOut">
               <a:rPr lang="en-US" smtClean="0"/>
-              <a:t>8/6/2022</a:t>
+              <a:t>8/8/2022</a:t>
             </a:fld>
             <a:endParaRPr lang="en-US"/>
           </a:p>
@@ -455,7 +463,7 @@
           <a:p>
             <a:fld id="{1C103F40-3D54-4197-BBB7-51E0ADE79846}" type="datetimeFigureOut">
               <a:rPr lang="en-US" smtClean="0"/>
-              <a:t>8/6/2022</a:t>
+              <a:t>8/8/2022</a:t>
             </a:fld>
             <a:endParaRPr lang="en-US"/>
           </a:p>
@@ -663,7 +671,7 @@
           <a:p>
             <a:fld id="{1C103F40-3D54-4197-BBB7-51E0ADE79846}" type="datetimeFigureOut">
               <a:rPr lang="en-US" smtClean="0"/>
-              <a:t>8/6/2022</a:t>
+              <a:t>8/8/2022</a:t>
             </a:fld>
             <a:endParaRPr lang="en-US"/>
           </a:p>
@@ -861,7 +869,7 @@
           <a:p>
             <a:fld id="{1C103F40-3D54-4197-BBB7-51E0ADE79846}" type="datetimeFigureOut">
               <a:rPr lang="en-US" smtClean="0"/>
-              <a:t>8/6/2022</a:t>
+              <a:t>8/8/2022</a:t>
             </a:fld>
             <a:endParaRPr lang="en-US"/>
           </a:p>
@@ -1136,7 +1144,7 @@
           <a:p>
             <a:fld id="{1C103F40-3D54-4197-BBB7-51E0ADE79846}" type="datetimeFigureOut">
               <a:rPr lang="en-US" smtClean="0"/>
-              <a:t>8/6/2022</a:t>
+              <a:t>8/8/2022</a:t>
             </a:fld>
             <a:endParaRPr lang="en-US"/>
           </a:p>
@@ -1401,7 +1409,7 @@
           <a:p>
             <a:fld id="{1C103F40-3D54-4197-BBB7-51E0ADE79846}" type="datetimeFigureOut">
               <a:rPr lang="en-US" smtClean="0"/>
-              <a:t>8/6/2022</a:t>
+              <a:t>8/8/2022</a:t>
             </a:fld>
             <a:endParaRPr lang="en-US"/>
           </a:p>
@@ -1813,7 +1821,7 @@
           <a:p>
             <a:fld id="{1C103F40-3D54-4197-BBB7-51E0ADE79846}" type="datetimeFigureOut">
               <a:rPr lang="en-US" smtClean="0"/>
-              <a:t>8/6/2022</a:t>
+              <a:t>8/8/2022</a:t>
             </a:fld>
             <a:endParaRPr lang="en-US"/>
           </a:p>
@@ -1954,7 +1962,7 @@
           <a:p>
             <a:fld id="{1C103F40-3D54-4197-BBB7-51E0ADE79846}" type="datetimeFigureOut">
               <a:rPr lang="en-US" smtClean="0"/>
-              <a:t>8/6/2022</a:t>
+              <a:t>8/8/2022</a:t>
             </a:fld>
             <a:endParaRPr lang="en-US"/>
           </a:p>
@@ -2067,7 +2075,7 @@
           <a:p>
             <a:fld id="{1C103F40-3D54-4197-BBB7-51E0ADE79846}" type="datetimeFigureOut">
               <a:rPr lang="en-US" smtClean="0"/>
-              <a:t>8/6/2022</a:t>
+              <a:t>8/8/2022</a:t>
             </a:fld>
             <a:endParaRPr lang="en-US"/>
           </a:p>
@@ -2378,7 +2386,7 @@
           <a:p>
             <a:fld id="{1C103F40-3D54-4197-BBB7-51E0ADE79846}" type="datetimeFigureOut">
               <a:rPr lang="en-US" smtClean="0"/>
-              <a:t>8/6/2022</a:t>
+              <a:t>8/8/2022</a:t>
             </a:fld>
             <a:endParaRPr lang="en-US"/>
           </a:p>
@@ -2666,7 +2674,7 @@
           <a:p>
             <a:fld id="{1C103F40-3D54-4197-BBB7-51E0ADE79846}" type="datetimeFigureOut">
               <a:rPr lang="en-US" smtClean="0"/>
-              <a:t>8/6/2022</a:t>
+              <a:t>8/8/2022</a:t>
             </a:fld>
             <a:endParaRPr lang="en-US"/>
           </a:p>
@@ -2907,7 +2915,7 @@
           <a:p>
             <a:fld id="{1C103F40-3D54-4197-BBB7-51E0ADE79846}" type="datetimeFigureOut">
               <a:rPr lang="en-US" smtClean="0"/>
-              <a:t>8/6/2022</a:t>
+              <a:t>8/8/2022</a:t>
             </a:fld>
             <a:endParaRPr lang="en-US"/>
           </a:p>
@@ -3666,11 +3674,19 @@
             <p:ph type="title"/>
           </p:nvPr>
         </p:nvSpPr>
-        <p:spPr/>
-        <p:txBody>
-          <a:bodyPr/>
-          <a:lstStyle/>
-          <a:p>
+        <p:spPr>
+          <a:xfrm>
+            <a:off x="954741" y="349646"/>
+            <a:ext cx="10515600" cy="662782"/>
+          </a:xfrm>
+        </p:spPr>
+        <p:txBody>
+          <a:bodyPr>
+            <a:normAutofit fontScale="90000"/>
+          </a:bodyPr>
+          <a:lstStyle/>
+          <a:p>
+            <a:pPr algn="ctr"/>
             <a:r>
               <a:rPr lang="en-US"/>
               <a:t>Chuyển đổi dạng Boolean</a:t>
@@ -3694,7 +3710,12 @@
             <p:ph idx="1"/>
           </p:nvPr>
         </p:nvSpPr>
-        <p:spPr/>
+        <p:spPr>
+          <a:xfrm>
+            <a:off x="838200" y="1350496"/>
+            <a:ext cx="10515600" cy="5157858"/>
+          </a:xfrm>
+        </p:spPr>
         <p:txBody>
           <a:bodyPr/>
           <a:lstStyle/>
@@ -3740,17 +3761,524 @@
             <a:pPr marL="457200" lvl="1" indent="0">
               <a:buNone/>
             </a:pPr>
+            <a:r>
+              <a:rPr lang="en-US">
+                <a:latin typeface="Times New Roman" panose="02020603050405020304" pitchFamily="18" charset="0"/>
+                <a:cs typeface="Times New Roman" panose="02020603050405020304" pitchFamily="18" charset="0"/>
+              </a:rPr>
+              <a:t>Vì vậy các khối lệnh trong {} sau sẽ luôn được thực hiện:</a:t>
+            </a:r>
+          </a:p>
+          <a:p>
+            <a:pPr marL="457200" lvl="1" indent="0">
+              <a:buNone/>
+            </a:pPr>
             <a:endParaRPr lang="en-US">
               <a:latin typeface="Times New Roman" panose="02020603050405020304" pitchFamily="18" charset="0"/>
               <a:cs typeface="Times New Roman" panose="02020603050405020304" pitchFamily="18" charset="0"/>
             </a:endParaRPr>
           </a:p>
-        </p:txBody>
-      </p:sp>
+          <a:p>
+            <a:pPr marL="457200" lvl="1" indent="0">
+              <a:buNone/>
+            </a:pPr>
+            <a:endParaRPr lang="en-US">
+              <a:latin typeface="Times New Roman" panose="02020603050405020304" pitchFamily="18" charset="0"/>
+              <a:cs typeface="Times New Roman" panose="02020603050405020304" pitchFamily="18" charset="0"/>
+            </a:endParaRPr>
+          </a:p>
+          <a:p>
+            <a:pPr marL="457200" lvl="1" indent="0">
+              <a:buNone/>
+            </a:pPr>
+            <a:r>
+              <a:rPr lang="en-US">
+                <a:latin typeface="Times New Roman" panose="02020603050405020304" pitchFamily="18" charset="0"/>
+                <a:cs typeface="Times New Roman" panose="02020603050405020304" pitchFamily="18" charset="0"/>
+              </a:rPr>
+              <a:t>Và các khối lệnh trong {}sau sẽ luôn không được thực hiện: </a:t>
+            </a:r>
+          </a:p>
+          <a:p>
+            <a:pPr marL="457200" lvl="1" indent="0">
+              <a:buNone/>
+            </a:pPr>
+            <a:endParaRPr lang="en-US">
+              <a:latin typeface="Times New Roman" panose="02020603050405020304" pitchFamily="18" charset="0"/>
+              <a:cs typeface="Times New Roman" panose="02020603050405020304" pitchFamily="18" charset="0"/>
+            </a:endParaRPr>
+          </a:p>
+          <a:p>
+            <a:pPr marL="457200" lvl="1" indent="0">
+              <a:buNone/>
+            </a:pPr>
+            <a:endParaRPr lang="en-US" b="1">
+              <a:latin typeface="Times New Roman" panose="02020603050405020304" pitchFamily="18" charset="0"/>
+              <a:cs typeface="Times New Roman" panose="02020603050405020304" pitchFamily="18" charset="0"/>
+            </a:endParaRPr>
+          </a:p>
+        </p:txBody>
+      </p:sp>
+      <p:pic>
+        <p:nvPicPr>
+          <p:cNvPr id="5" name="Picture 4">
+            <a:extLst>
+              <a:ext uri="{FF2B5EF4-FFF2-40B4-BE49-F238E27FC236}">
+                <a16:creationId xmlns:a16="http://schemas.microsoft.com/office/drawing/2014/main" id="{89B259FB-DA84-56B6-78D9-777679B3949B}"/>
+              </a:ext>
+            </a:extLst>
+          </p:cNvPr>
+          <p:cNvPicPr>
+            <a:picLocks noChangeAspect="1"/>
+          </p:cNvPicPr>
+          <p:nvPr/>
+        </p:nvPicPr>
+        <p:blipFill>
+          <a:blip r:embed="rId2"/>
+          <a:stretch>
+            <a:fillRect/>
+          </a:stretch>
+        </p:blipFill>
+        <p:spPr>
+          <a:xfrm>
+            <a:off x="1332574" y="4249606"/>
+            <a:ext cx="7590476" cy="824417"/>
+          </a:xfrm>
+          <a:prstGeom prst="rect">
+            <a:avLst/>
+          </a:prstGeom>
+        </p:spPr>
+      </p:pic>
+      <p:pic>
+        <p:nvPicPr>
+          <p:cNvPr id="7" name="Picture 6">
+            <a:extLst>
+              <a:ext uri="{FF2B5EF4-FFF2-40B4-BE49-F238E27FC236}">
+                <a16:creationId xmlns:a16="http://schemas.microsoft.com/office/drawing/2014/main" id="{9D9643D5-1B3E-C403-8809-0BF56B1DB0A6}"/>
+              </a:ext>
+            </a:extLst>
+          </p:cNvPr>
+          <p:cNvPicPr>
+            <a:picLocks noChangeAspect="1"/>
+          </p:cNvPicPr>
+          <p:nvPr/>
+        </p:nvPicPr>
+        <p:blipFill>
+          <a:blip r:embed="rId3"/>
+          <a:stretch>
+            <a:fillRect/>
+          </a:stretch>
+        </p:blipFill>
+        <p:spPr>
+          <a:xfrm>
+            <a:off x="1332574" y="5507504"/>
+            <a:ext cx="7552381" cy="914286"/>
+          </a:xfrm>
+          <a:prstGeom prst="rect">
+            <a:avLst/>
+          </a:prstGeom>
+        </p:spPr>
+      </p:pic>
     </p:spTree>
     <p:extLst>
       <p:ext uri="{BB962C8B-B14F-4D97-AF65-F5344CB8AC3E}">
         <p14:creationId xmlns:p14="http://schemas.microsoft.com/office/powerpoint/2010/main" val="856687820"/>
+      </p:ext>
+    </p:extLst>
+  </p:cSld>
+  <p:clrMapOvr>
+    <a:masterClrMapping/>
+  </p:clrMapOvr>
+</p:sld>
+</file>
+
+<file path=ppt/slides/slide5.xml><?xml version="1.0" encoding="utf-8"?>
+<p:sld xmlns:a="http://schemas.openxmlformats.org/drawingml/2006/main" xmlns:r="http://schemas.openxmlformats.org/officeDocument/2006/relationships" xmlns:p="http://schemas.openxmlformats.org/presentationml/2006/main">
+  <p:cSld>
+    <p:spTree>
+      <p:nvGrpSpPr>
+        <p:cNvPr id="1" name=""/>
+        <p:cNvGrpSpPr/>
+        <p:nvPr/>
+      </p:nvGrpSpPr>
+      <p:grpSpPr>
+        <a:xfrm>
+          <a:off x="0" y="0"/>
+          <a:ext cx="0" cy="0"/>
+          <a:chOff x="0" y="0"/>
+          <a:chExt cx="0" cy="0"/>
+        </a:xfrm>
+      </p:grpSpPr>
+      <p:sp>
+        <p:nvSpPr>
+          <p:cNvPr id="2" name="Title 1">
+            <a:extLst>
+              <a:ext uri="{FF2B5EF4-FFF2-40B4-BE49-F238E27FC236}">
+                <a16:creationId xmlns:a16="http://schemas.microsoft.com/office/drawing/2014/main" id="{A404D2F5-0347-0C51-EA6E-D1E8B2F48420}"/>
+              </a:ext>
+            </a:extLst>
+          </p:cNvPr>
+          <p:cNvSpPr>
+            <a:spLocks noGrp="1"/>
+          </p:cNvSpPr>
+          <p:nvPr>
+            <p:ph type="title"/>
+          </p:nvPr>
+        </p:nvSpPr>
+        <p:spPr>
+          <a:xfrm>
+            <a:off x="838200" y="174624"/>
+            <a:ext cx="10515600" cy="612028"/>
+          </a:xfrm>
+        </p:spPr>
+        <p:txBody>
+          <a:bodyPr>
+            <a:normAutofit fontScale="90000"/>
+          </a:bodyPr>
+          <a:lstStyle/>
+          <a:p>
+            <a:pPr algn="ctr"/>
+            <a:r>
+              <a:rPr lang="en-US"/>
+              <a:t>Mệnh đề else</a:t>
+            </a:r>
+          </a:p>
+        </p:txBody>
+      </p:sp>
+      <p:sp>
+        <p:nvSpPr>
+          <p:cNvPr id="3" name="Content Placeholder 2">
+            <a:extLst>
+              <a:ext uri="{FF2B5EF4-FFF2-40B4-BE49-F238E27FC236}">
+                <a16:creationId xmlns:a16="http://schemas.microsoft.com/office/drawing/2014/main" id="{C9EAC54A-B9C0-BC1A-324B-2FAB447C5FE2}"/>
+              </a:ext>
+            </a:extLst>
+          </p:cNvPr>
+          <p:cNvSpPr>
+            <a:spLocks noGrp="1"/>
+          </p:cNvSpPr>
+          <p:nvPr>
+            <p:ph idx="1"/>
+          </p:nvPr>
+        </p:nvSpPr>
+        <p:spPr>
+          <a:xfrm>
+            <a:off x="838200" y="893296"/>
+            <a:ext cx="10515600" cy="4351338"/>
+          </a:xfrm>
+        </p:spPr>
+        <p:txBody>
+          <a:bodyPr>
+            <a:normAutofit lnSpcReduction="10000"/>
+          </a:bodyPr>
+          <a:lstStyle/>
+          <a:p>
+            <a:r>
+              <a:rPr lang="en-US" sz="2000"/>
+              <a:t>Mệnh đề else dùng để mô tả khối lệnh sẽ thực thi khi điều kiện giả định (IF) là sai: </a:t>
+            </a:r>
+          </a:p>
+          <a:p>
+            <a:endParaRPr lang="en-US" sz="2000"/>
+          </a:p>
+          <a:p>
+            <a:endParaRPr lang="en-US" sz="2000"/>
+          </a:p>
+          <a:p>
+            <a:endParaRPr lang="en-US" sz="2000"/>
+          </a:p>
+          <a:p>
+            <a:endParaRPr lang="en-US" sz="2000"/>
+          </a:p>
+          <a:p>
+            <a:endParaRPr lang="en-US" sz="2000"/>
+          </a:p>
+          <a:p>
+            <a:endParaRPr lang="en-US" sz="2000"/>
+          </a:p>
+          <a:p>
+            <a:endParaRPr lang="en-US" sz="2000"/>
+          </a:p>
+          <a:p>
+            <a:r>
+              <a:rPr lang="en-US" sz="2000"/>
+              <a:t>Ngoài ra bạn có thể dùng câu lệnh else if cho trường hợp có nhiều kết quả của giả định (if):</a:t>
+            </a:r>
+          </a:p>
+          <a:p>
+            <a:endParaRPr lang="en-US" sz="2000"/>
+          </a:p>
+          <a:p>
+            <a:r>
+              <a:rPr lang="en-US" sz="2000"/>
+              <a:t> </a:t>
+            </a:r>
+          </a:p>
+        </p:txBody>
+      </p:sp>
+      <p:pic>
+        <p:nvPicPr>
+          <p:cNvPr id="5" name="Picture 4">
+            <a:extLst>
+              <a:ext uri="{FF2B5EF4-FFF2-40B4-BE49-F238E27FC236}">
+                <a16:creationId xmlns:a16="http://schemas.microsoft.com/office/drawing/2014/main" id="{7572E3B2-6B46-2B77-352C-503BDEEBD057}"/>
+              </a:ext>
+            </a:extLst>
+          </p:cNvPr>
+          <p:cNvPicPr>
+            <a:picLocks noChangeAspect="1"/>
+          </p:cNvPicPr>
+          <p:nvPr/>
+        </p:nvPicPr>
+        <p:blipFill>
+          <a:blip r:embed="rId2"/>
+          <a:stretch>
+            <a:fillRect/>
+          </a:stretch>
+        </p:blipFill>
+        <p:spPr>
+          <a:xfrm>
+            <a:off x="838200" y="1437802"/>
+            <a:ext cx="10515599" cy="1991198"/>
+          </a:xfrm>
+          <a:prstGeom prst="rect">
+            <a:avLst/>
+          </a:prstGeom>
+        </p:spPr>
+      </p:pic>
+      <p:pic>
+        <p:nvPicPr>
+          <p:cNvPr id="7" name="Picture 6">
+            <a:extLst>
+              <a:ext uri="{FF2B5EF4-FFF2-40B4-BE49-F238E27FC236}">
+                <a16:creationId xmlns:a16="http://schemas.microsoft.com/office/drawing/2014/main" id="{72859FC6-6BA1-409E-2B6D-50DFFCE595E9}"/>
+              </a:ext>
+            </a:extLst>
+          </p:cNvPr>
+          <p:cNvPicPr>
+            <a:picLocks noChangeAspect="1"/>
+          </p:cNvPicPr>
+          <p:nvPr/>
+        </p:nvPicPr>
+        <p:blipFill>
+          <a:blip r:embed="rId3"/>
+          <a:stretch>
+            <a:fillRect/>
+          </a:stretch>
+        </p:blipFill>
+        <p:spPr>
+          <a:xfrm>
+            <a:off x="838200" y="4304808"/>
+            <a:ext cx="10330381" cy="2140817"/>
+          </a:xfrm>
+          <a:prstGeom prst="rect">
+            <a:avLst/>
+          </a:prstGeom>
+        </p:spPr>
+      </p:pic>
+    </p:spTree>
+    <p:extLst>
+      <p:ext uri="{BB962C8B-B14F-4D97-AF65-F5344CB8AC3E}">
+        <p14:creationId xmlns:p14="http://schemas.microsoft.com/office/powerpoint/2010/main" val="3588620324"/>
+      </p:ext>
+    </p:extLst>
+  </p:cSld>
+  <p:clrMapOvr>
+    <a:masterClrMapping/>
+  </p:clrMapOvr>
+</p:sld>
+</file>
+
+<file path=ppt/slides/slide6.xml><?xml version="1.0" encoding="utf-8"?>
+<p:sld xmlns:a="http://schemas.openxmlformats.org/drawingml/2006/main" xmlns:r="http://schemas.openxmlformats.org/officeDocument/2006/relationships" xmlns:p="http://schemas.openxmlformats.org/presentationml/2006/main">
+  <p:cSld>
+    <p:spTree>
+      <p:nvGrpSpPr>
+        <p:cNvPr id="1" name=""/>
+        <p:cNvGrpSpPr/>
+        <p:nvPr/>
+      </p:nvGrpSpPr>
+      <p:grpSpPr>
+        <a:xfrm>
+          <a:off x="0" y="0"/>
+          <a:ext cx="0" cy="0"/>
+          <a:chOff x="0" y="0"/>
+          <a:chExt cx="0" cy="0"/>
+        </a:xfrm>
+      </p:grpSpPr>
+      <p:sp>
+        <p:nvSpPr>
+          <p:cNvPr id="2" name="Title 1">
+            <a:extLst>
+              <a:ext uri="{FF2B5EF4-FFF2-40B4-BE49-F238E27FC236}">
+                <a16:creationId xmlns:a16="http://schemas.microsoft.com/office/drawing/2014/main" id="{433B0F66-98B1-B5EB-B8AD-C687A61A2FC8}"/>
+              </a:ext>
+            </a:extLst>
+          </p:cNvPr>
+          <p:cNvSpPr>
+            <a:spLocks noGrp="1"/>
+          </p:cNvSpPr>
+          <p:nvPr>
+            <p:ph type="title"/>
+          </p:nvPr>
+        </p:nvSpPr>
+        <p:spPr/>
+        <p:txBody>
+          <a:bodyPr/>
+          <a:lstStyle/>
+          <a:p>
+            <a:r>
+              <a:rPr lang="en-US"/>
+              <a:t>Toán tử có điều kiện (toán tử bậc 3)</a:t>
+            </a:r>
+          </a:p>
+        </p:txBody>
+      </p:sp>
+      <p:sp>
+        <p:nvSpPr>
+          <p:cNvPr id="3" name="Content Placeholder 2">
+            <a:extLst>
+              <a:ext uri="{FF2B5EF4-FFF2-40B4-BE49-F238E27FC236}">
+                <a16:creationId xmlns:a16="http://schemas.microsoft.com/office/drawing/2014/main" id="{1BEDA29D-30DC-610F-A445-12E9589C1711}"/>
+              </a:ext>
+            </a:extLst>
+          </p:cNvPr>
+          <p:cNvSpPr>
+            <a:spLocks noGrp="1"/>
+          </p:cNvSpPr>
+          <p:nvPr>
+            <p:ph idx="1"/>
+          </p:nvPr>
+        </p:nvSpPr>
+        <p:spPr/>
+        <p:txBody>
+          <a:bodyPr/>
+          <a:lstStyle/>
+          <a:p>
+            <a:r>
+              <a:rPr lang="en-US"/>
+              <a:t>Đôi khi, bạn có thể gán một biến vào một điều kiện.</a:t>
+            </a:r>
+          </a:p>
+          <a:p>
+            <a:endParaRPr lang="en-US"/>
+          </a:p>
+        </p:txBody>
+      </p:sp>
+      <p:pic>
+        <p:nvPicPr>
+          <p:cNvPr id="5" name="Picture 4">
+            <a:extLst>
+              <a:ext uri="{FF2B5EF4-FFF2-40B4-BE49-F238E27FC236}">
+                <a16:creationId xmlns:a16="http://schemas.microsoft.com/office/drawing/2014/main" id="{D0BE33D7-3F5B-19FB-79D7-934329C381DC}"/>
+              </a:ext>
+            </a:extLst>
+          </p:cNvPr>
+          <p:cNvPicPr>
+            <a:picLocks noChangeAspect="1"/>
+          </p:cNvPicPr>
+          <p:nvPr/>
+        </p:nvPicPr>
+        <p:blipFill>
+          <a:blip r:embed="rId2"/>
+          <a:stretch>
+            <a:fillRect/>
+          </a:stretch>
+        </p:blipFill>
+        <p:spPr>
+          <a:xfrm>
+            <a:off x="905555" y="2459148"/>
+            <a:ext cx="8000000" cy="2733333"/>
+          </a:xfrm>
+          <a:prstGeom prst="rect">
+            <a:avLst/>
+          </a:prstGeom>
+        </p:spPr>
+      </p:pic>
+    </p:spTree>
+    <p:extLst>
+      <p:ext uri="{BB962C8B-B14F-4D97-AF65-F5344CB8AC3E}">
+        <p14:creationId xmlns:p14="http://schemas.microsoft.com/office/powerpoint/2010/main" val="4258765311"/>
+      </p:ext>
+    </p:extLst>
+  </p:cSld>
+  <p:clrMapOvr>
+    <a:masterClrMapping/>
+  </p:clrMapOvr>
+</p:sld>
+</file>
+
+<file path=ppt/slides/slide7.xml><?xml version="1.0" encoding="utf-8"?>
+<p:sld xmlns:a="http://schemas.openxmlformats.org/drawingml/2006/main" xmlns:r="http://schemas.openxmlformats.org/officeDocument/2006/relationships" xmlns:p="http://schemas.openxmlformats.org/presentationml/2006/main">
+  <p:cSld>
+    <p:spTree>
+      <p:nvGrpSpPr>
+        <p:cNvPr id="1" name=""/>
+        <p:cNvGrpSpPr/>
+        <p:nvPr/>
+      </p:nvGrpSpPr>
+      <p:grpSpPr>
+        <a:xfrm>
+          <a:off x="0" y="0"/>
+          <a:ext cx="0" cy="0"/>
+          <a:chOff x="0" y="0"/>
+          <a:chExt cx="0" cy="0"/>
+        </a:xfrm>
+      </p:grpSpPr>
+      <p:sp>
+        <p:nvSpPr>
+          <p:cNvPr id="2" name="Title 1">
+            <a:extLst>
+              <a:ext uri="{FF2B5EF4-FFF2-40B4-BE49-F238E27FC236}">
+                <a16:creationId xmlns:a16="http://schemas.microsoft.com/office/drawing/2014/main" id="{0AB395BD-EDEA-F7A7-2811-6524CEC46C9A}"/>
+              </a:ext>
+            </a:extLst>
+          </p:cNvPr>
+          <p:cNvSpPr>
+            <a:spLocks noGrp="1"/>
+          </p:cNvSpPr>
+          <p:nvPr>
+            <p:ph type="title"/>
+          </p:nvPr>
+        </p:nvSpPr>
+        <p:spPr/>
+        <p:txBody>
+          <a:bodyPr/>
+          <a:lstStyle/>
+          <a:p>
+            <a:endParaRPr lang="en-US"/>
+          </a:p>
+        </p:txBody>
+      </p:sp>
+      <p:sp>
+        <p:nvSpPr>
+          <p:cNvPr id="3" name="Content Placeholder 2">
+            <a:extLst>
+              <a:ext uri="{FF2B5EF4-FFF2-40B4-BE49-F238E27FC236}">
+                <a16:creationId xmlns:a16="http://schemas.microsoft.com/office/drawing/2014/main" id="{23B4EE0C-0CF4-3D2E-07DE-E3E71D9CBB13}"/>
+              </a:ext>
+            </a:extLst>
+          </p:cNvPr>
+          <p:cNvSpPr>
+            <a:spLocks noGrp="1"/>
+          </p:cNvSpPr>
+          <p:nvPr>
+            <p:ph idx="1"/>
+          </p:nvPr>
+        </p:nvSpPr>
+        <p:spPr/>
+        <p:txBody>
+          <a:bodyPr/>
+          <a:lstStyle/>
+          <a:p>
+            <a:endParaRPr lang="en-US"/>
+          </a:p>
+        </p:txBody>
+      </p:sp>
+    </p:spTree>
+    <p:extLst>
+      <p:ext uri="{BB962C8B-B14F-4D97-AF65-F5344CB8AC3E}">
+        <p14:creationId xmlns:p14="http://schemas.microsoft.com/office/powerpoint/2010/main" val="703612026"/>
       </p:ext>
     </p:extLst>
   </p:cSld>
